--- a/Data_Split/AI_Topics.pptx
+++ b/Data_Split/AI_Topics.pptx
@@ -5,7 +5,7 @@
     <p:sldMasterId id="2147483677" r:id="rId1"/>
   </p:sldMasterIdLst>
   <p:notesMasterIdLst>
-    <p:notesMasterId r:id="rId14"/>
+    <p:notesMasterId r:id="rId16"/>
   </p:notesMasterIdLst>
   <p:sldIdLst>
     <p:sldId id="256" r:id="rId2"/>
@@ -13,13 +13,15 @@
     <p:sldId id="265" r:id="rId4"/>
     <p:sldId id="263" r:id="rId5"/>
     <p:sldId id="264" r:id="rId6"/>
-    <p:sldId id="267" r:id="rId7"/>
-    <p:sldId id="266" r:id="rId8"/>
-    <p:sldId id="257" r:id="rId9"/>
-    <p:sldId id="259" r:id="rId10"/>
-    <p:sldId id="258" r:id="rId11"/>
-    <p:sldId id="261" r:id="rId12"/>
-    <p:sldId id="260" r:id="rId13"/>
+    <p:sldId id="268" r:id="rId7"/>
+    <p:sldId id="269" r:id="rId8"/>
+    <p:sldId id="267" r:id="rId9"/>
+    <p:sldId id="266" r:id="rId10"/>
+    <p:sldId id="257" r:id="rId11"/>
+    <p:sldId id="259" r:id="rId12"/>
+    <p:sldId id="258" r:id="rId13"/>
+    <p:sldId id="261" r:id="rId14"/>
+    <p:sldId id="260" r:id="rId15"/>
   </p:sldIdLst>
   <p:sldSz cx="12192000" cy="6858000"/>
   <p:notesSz cx="13716000" cy="24384000"/>
@@ -300,7 +302,7 @@
   <pc:docChgLst>
     <pc:chgData name="amal alghamdi" userId="d7d250a030ef87e8" providerId="LiveId" clId="{B97AF238-80B8-452B-83F1-C2DC355D26D2}"/>
     <pc:docChg chg="undo custSel addSld delSld modSld modMainMaster">
-      <pc:chgData name="amal alghamdi" userId="d7d250a030ef87e8" providerId="LiveId" clId="{B97AF238-80B8-452B-83F1-C2DC355D26D2}" dt="2022-10-14T05:57:51.354" v="4400" actId="20577"/>
+      <pc:chgData name="amal alghamdi" userId="d7d250a030ef87e8" providerId="LiveId" clId="{B97AF238-80B8-452B-83F1-C2DC355D26D2}" dt="2022-10-15T11:25:19.640" v="4464" actId="20577"/>
       <pc:docMkLst>
         <pc:docMk/>
       </pc:docMkLst>
@@ -587,6 +589,36 @@
             <ac:spMk id="2" creationId="{4BBE16D0-B364-F604-E7A6-55193E41361E}"/>
           </ac:spMkLst>
         </pc:spChg>
+      </pc:sldChg>
+      <pc:sldChg chg="modSp new mod">
+        <pc:chgData name="amal alghamdi" userId="d7d250a030ef87e8" providerId="LiveId" clId="{B97AF238-80B8-452B-83F1-C2DC355D26D2}" dt="2022-10-15T11:25:19.640" v="4464" actId="20577"/>
+        <pc:sldMkLst>
+          <pc:docMk/>
+          <pc:sldMk cId="1879510270" sldId="268"/>
+        </pc:sldMkLst>
+        <pc:spChg chg="mod">
+          <ac:chgData name="amal alghamdi" userId="d7d250a030ef87e8" providerId="LiveId" clId="{B97AF238-80B8-452B-83F1-C2DC355D26D2}" dt="2022-10-15T10:01:45.289" v="4413" actId="20577"/>
+          <ac:spMkLst>
+            <pc:docMk/>
+            <pc:sldMk cId="1879510270" sldId="268"/>
+            <ac:spMk id="2" creationId="{66E593B5-D269-FC3D-EBEB-ED9E7186B3FD}"/>
+          </ac:spMkLst>
+        </pc:spChg>
+        <pc:spChg chg="mod">
+          <ac:chgData name="amal alghamdi" userId="d7d250a030ef87e8" providerId="LiveId" clId="{B97AF238-80B8-452B-83F1-C2DC355D26D2}" dt="2022-10-15T11:25:19.640" v="4464" actId="20577"/>
+          <ac:spMkLst>
+            <pc:docMk/>
+            <pc:sldMk cId="1879510270" sldId="268"/>
+            <ac:spMk id="3" creationId="{33739F6D-5537-A6FE-B2CA-24DAFD84B399}"/>
+          </ac:spMkLst>
+        </pc:spChg>
+      </pc:sldChg>
+      <pc:sldChg chg="new">
+        <pc:chgData name="amal alghamdi" userId="d7d250a030ef87e8" providerId="LiveId" clId="{B97AF238-80B8-452B-83F1-C2DC355D26D2}" dt="2022-10-15T10:01:49.885" v="4414" actId="680"/>
+        <pc:sldMkLst>
+          <pc:docMk/>
+          <pc:sldMk cId="3516159608" sldId="269"/>
+        </pc:sldMkLst>
       </pc:sldChg>
       <pc:sldChg chg="modSp del mod">
         <pc:chgData name="amal alghamdi" userId="d7d250a030ef87e8" providerId="LiveId" clId="{B97AF238-80B8-452B-83F1-C2DC355D26D2}" dt="2022-10-11T19:40:46.797" v="1" actId="47"/>
@@ -2490,7 +2522,7 @@
           <a:p>
             <a:fld id="{C764DE79-268F-4C1A-8933-263129D2AF90}" type="datetimeFigureOut">
               <a:rPr lang="en-US" dirty="0"/>
-              <a:t>10/14/2022</a:t>
+              <a:t>10/15/2022</a:t>
             </a:fld>
             <a:endParaRPr lang="en-US" dirty="0"/>
           </a:p>
@@ -2658,7 +2690,7 @@
           <a:p>
             <a:fld id="{C764DE79-268F-4C1A-8933-263129D2AF90}" type="datetimeFigureOut">
               <a:rPr lang="en-US" dirty="0"/>
-              <a:t>10/14/2022</a:t>
+              <a:t>10/15/2022</a:t>
             </a:fld>
             <a:endParaRPr lang="en-US" dirty="0"/>
           </a:p>
@@ -2836,7 +2868,7 @@
           <a:p>
             <a:fld id="{C764DE79-268F-4C1A-8933-263129D2AF90}" type="datetimeFigureOut">
               <a:rPr lang="en-US" dirty="0"/>
-              <a:t>10/14/2022</a:t>
+              <a:t>10/15/2022</a:t>
             </a:fld>
             <a:endParaRPr lang="en-US" dirty="0"/>
           </a:p>
@@ -11687,7 +11719,7 @@
           <a:p>
             <a:fld id="{C764DE79-268F-4C1A-8933-263129D2AF90}" type="datetimeFigureOut">
               <a:rPr lang="en-US" dirty="0"/>
-              <a:t>10/14/2022</a:t>
+              <a:t>10/15/2022</a:t>
             </a:fld>
             <a:endParaRPr lang="en-US" dirty="0"/>
           </a:p>
@@ -11932,7 +11964,7 @@
           <a:p>
             <a:fld id="{C764DE79-268F-4C1A-8933-263129D2AF90}" type="datetimeFigureOut">
               <a:rPr lang="en-US" dirty="0"/>
-              <a:t>10/14/2022</a:t>
+              <a:t>10/15/2022</a:t>
             </a:fld>
             <a:endParaRPr lang="en-US" dirty="0"/>
           </a:p>
@@ -12161,7 +12193,7 @@
           <a:p>
             <a:fld id="{C764DE79-268F-4C1A-8933-263129D2AF90}" type="datetimeFigureOut">
               <a:rPr lang="en-US" dirty="0"/>
-              <a:t>10/14/2022</a:t>
+              <a:t>10/15/2022</a:t>
             </a:fld>
             <a:endParaRPr lang="en-US" dirty="0"/>
           </a:p>
@@ -12525,7 +12557,7 @@
           <a:p>
             <a:fld id="{C764DE79-268F-4C1A-8933-263129D2AF90}" type="datetimeFigureOut">
               <a:rPr lang="en-US" dirty="0"/>
-              <a:t>10/14/2022</a:t>
+              <a:t>10/15/2022</a:t>
             </a:fld>
             <a:endParaRPr lang="en-US" dirty="0"/>
           </a:p>
@@ -12642,7 +12674,7 @@
           <a:p>
             <a:fld id="{C764DE79-268F-4C1A-8933-263129D2AF90}" type="datetimeFigureOut">
               <a:rPr lang="en-US" dirty="0"/>
-              <a:t>10/14/2022</a:t>
+              <a:t>10/15/2022</a:t>
             </a:fld>
             <a:endParaRPr lang="en-US" dirty="0"/>
           </a:p>
@@ -12737,7 +12769,7 @@
           <a:p>
             <a:fld id="{C764DE79-268F-4C1A-8933-263129D2AF90}" type="datetimeFigureOut">
               <a:rPr lang="en-US" dirty="0"/>
-              <a:t>10/14/2022</a:t>
+              <a:t>10/15/2022</a:t>
             </a:fld>
             <a:endParaRPr lang="en-US" dirty="0"/>
           </a:p>
@@ -13012,7 +13044,7 @@
           <a:p>
             <a:fld id="{C764DE79-268F-4C1A-8933-263129D2AF90}" type="datetimeFigureOut">
               <a:rPr lang="en-US" dirty="0"/>
-              <a:t>10/14/2022</a:t>
+              <a:t>10/15/2022</a:t>
             </a:fld>
             <a:endParaRPr lang="en-US" dirty="0"/>
           </a:p>
@@ -13264,7 +13296,7 @@
           <a:p>
             <a:fld id="{C764DE79-268F-4C1A-8933-263129D2AF90}" type="datetimeFigureOut">
               <a:rPr lang="en-US" dirty="0"/>
-              <a:t>10/14/2022</a:t>
+              <a:t>10/15/2022</a:t>
             </a:fld>
             <a:endParaRPr lang="en-US" dirty="0"/>
           </a:p>
@@ -13479,7 +13511,7 @@
             <a:fld id="{C764DE79-268F-4C1A-8933-263129D2AF90}" type="datetimeFigureOut">
               <a:rPr lang="en-US" smtClean="0"/>
               <a:pPr/>
-              <a:t>10/14/2022</a:t>
+              <a:t>10/15/2022</a:t>
             </a:fld>
             <a:endParaRPr lang="en-US" dirty="0"/>
           </a:p>
@@ -13995,6 +14027,269 @@
           <p:cNvPr id="2" name="Title 1">
             <a:extLst>
               <a:ext uri="{FF2B5EF4-FFF2-40B4-BE49-F238E27FC236}">
+                <a16:creationId xmlns:a16="http://schemas.microsoft.com/office/drawing/2014/main" id="{88F9672B-5B2C-DE3D-5B1B-0B023A86D364}"/>
+              </a:ext>
+            </a:extLst>
+          </p:cNvPr>
+          <p:cNvSpPr>
+            <a:spLocks noGrp="1"/>
+          </p:cNvSpPr>
+          <p:nvPr>
+            <p:ph type="title"/>
+          </p:nvPr>
+        </p:nvSpPr>
+        <p:spPr/>
+        <p:txBody>
+          <a:bodyPr/>
+          <a:lstStyle/>
+          <a:p>
+            <a:pPr algn="ctr" rtl="1"/>
+            <a:r>
+              <a:rPr lang="ar-SA" b="1" dirty="0">
+                <a:solidFill>
+                  <a:schemeClr val="accent1"/>
+                </a:solidFill>
+                <a:latin typeface="Cocon® Next Arabic" panose="020A0503020102020204" pitchFamily="18" charset="-78"/>
+                <a:ea typeface="Cocon® Next Arabic" panose="020A0503020102020204" pitchFamily="18" charset="-78"/>
+                <a:cs typeface="Cocon® Next Arabic" panose="020A0503020102020204" pitchFamily="18" charset="-78"/>
+              </a:rPr>
+              <a:t>تقسيم البيانات لتدريب واختبار</a:t>
+            </a:r>
+            <a:br>
+              <a:rPr lang="en-US" b="1" dirty="0">
+                <a:solidFill>
+                  <a:schemeClr val="accent1"/>
+                </a:solidFill>
+                <a:latin typeface="Cocon® Next Arabic" panose="020A0503020102020204" pitchFamily="18" charset="-78"/>
+                <a:ea typeface="Cocon® Next Arabic" panose="020A0503020102020204" pitchFamily="18" charset="-78"/>
+                <a:cs typeface="Cocon® Next Arabic" panose="020A0503020102020204" pitchFamily="18" charset="-78"/>
+              </a:rPr>
+            </a:br>
+            <a:r>
+              <a:rPr lang="en-US" b="1" dirty="0">
+                <a:solidFill>
+                  <a:schemeClr val="accent1"/>
+                </a:solidFill>
+                <a:latin typeface="Cocon® Next Arabic" panose="020A0503020102020204" pitchFamily="18" charset="-78"/>
+                <a:ea typeface="Cocon® Next Arabic" panose="020A0503020102020204" pitchFamily="18" charset="-78"/>
+                <a:cs typeface="Cocon® Next Arabic" panose="020A0503020102020204" pitchFamily="18" charset="-78"/>
+              </a:rPr>
+              <a:t>Train and Test Split </a:t>
+            </a:r>
+          </a:p>
+        </p:txBody>
+      </p:sp>
+      <p:sp>
+        <p:nvSpPr>
+          <p:cNvPr id="3" name="Content Placeholder 2">
+            <a:extLst>
+              <a:ext uri="{FF2B5EF4-FFF2-40B4-BE49-F238E27FC236}">
+                <a16:creationId xmlns:a16="http://schemas.microsoft.com/office/drawing/2014/main" id="{7D5F44E0-4AE9-DF97-C4B3-1B96BF33C86A}"/>
+              </a:ext>
+            </a:extLst>
+          </p:cNvPr>
+          <p:cNvSpPr>
+            <a:spLocks noGrp="1"/>
+          </p:cNvSpPr>
+          <p:nvPr>
+            <p:ph idx="1"/>
+          </p:nvPr>
+        </p:nvSpPr>
+        <p:spPr/>
+        <p:txBody>
+          <a:bodyPr>
+            <a:normAutofit/>
+          </a:bodyPr>
+          <a:lstStyle/>
+          <a:p>
+            <a:pPr marL="0" indent="0" algn="r" rtl="1">
+              <a:buNone/>
+            </a:pPr>
+            <a:r>
+              <a:rPr lang="ar-SA" dirty="0"/>
+              <a:t>نقسم البيانات لجزئين. بيانات للتدريب النموذج، وبيانات لاختبار أداء النموذج حتى نتأكد بأنه تعلم بشكل صحيح من البيانات التي تدرب عليها ولم يحفظ الاجابات فقط. ولضمان أن النموذج يمكن تعميمة على عينات لم يرها من قبل.</a:t>
+            </a:r>
+          </a:p>
+          <a:p>
+            <a:pPr marL="0" indent="0" algn="r" rtl="1">
+              <a:buNone/>
+            </a:pPr>
+            <a:endParaRPr lang="ar-SA" dirty="0"/>
+          </a:p>
+          <a:p>
+            <a:pPr marL="0" indent="0" algn="r" rtl="1">
+              <a:buNone/>
+            </a:pPr>
+            <a:r>
+              <a:rPr lang="ar-SA" dirty="0"/>
+              <a:t>مثال على ذلك : عندما يعطى الطالب امثلة للمراجعة قبل الاختبار لكنها ليست اسئلة الإختبار بالتحديد. فتساعدة للاختبار ولأي سألة اخرى في نفس الوضوع في المستقبل.</a:t>
+            </a:r>
+          </a:p>
+        </p:txBody>
+      </p:sp>
+    </p:spTree>
+    <p:extLst>
+      <p:ext uri="{BB962C8B-B14F-4D97-AF65-F5344CB8AC3E}">
+        <p14:creationId xmlns:p14="http://schemas.microsoft.com/office/powerpoint/2010/main" val="329941891"/>
+      </p:ext>
+    </p:extLst>
+  </p:cSld>
+  <p:clrMapOvr>
+    <a:masterClrMapping/>
+  </p:clrMapOvr>
+</p:sld>
+</file>
+
+<file path=ppt/slides/slide11.xml><?xml version="1.0" encoding="utf-8"?>
+<p:sld xmlns:a="http://schemas.openxmlformats.org/drawingml/2006/main" xmlns:r="http://schemas.openxmlformats.org/officeDocument/2006/relationships" xmlns:p="http://schemas.openxmlformats.org/presentationml/2006/main">
+  <p:cSld>
+    <p:spTree>
+      <p:nvGrpSpPr>
+        <p:cNvPr id="1" name=""/>
+        <p:cNvGrpSpPr/>
+        <p:nvPr/>
+      </p:nvGrpSpPr>
+      <p:grpSpPr>
+        <a:xfrm>
+          <a:off x="0" y="0"/>
+          <a:ext cx="0" cy="0"/>
+          <a:chOff x="0" y="0"/>
+          <a:chExt cx="0" cy="0"/>
+        </a:xfrm>
+      </p:grpSpPr>
+      <p:sp>
+        <p:nvSpPr>
+          <p:cNvPr id="2" name="Title 1">
+            <a:extLst>
+              <a:ext uri="{FF2B5EF4-FFF2-40B4-BE49-F238E27FC236}">
+                <a16:creationId xmlns:a16="http://schemas.microsoft.com/office/drawing/2014/main" id="{B2528842-17C7-ABA9-6052-3AA7DAA6AAFC}"/>
+              </a:ext>
+            </a:extLst>
+          </p:cNvPr>
+          <p:cNvSpPr>
+            <a:spLocks noGrp="1"/>
+          </p:cNvSpPr>
+          <p:nvPr>
+            <p:ph type="title"/>
+          </p:nvPr>
+        </p:nvSpPr>
+        <p:spPr/>
+        <p:txBody>
+          <a:bodyPr/>
+          <a:lstStyle/>
+          <a:p>
+            <a:r>
+              <a:rPr lang="en-US" dirty="0"/>
+              <a:t>WORDS TO REMEMBER</a:t>
+            </a:r>
+          </a:p>
+        </p:txBody>
+      </p:sp>
+      <p:sp>
+        <p:nvSpPr>
+          <p:cNvPr id="3" name="Content Placeholder 2">
+            <a:extLst>
+              <a:ext uri="{FF2B5EF4-FFF2-40B4-BE49-F238E27FC236}">
+                <a16:creationId xmlns:a16="http://schemas.microsoft.com/office/drawing/2014/main" id="{6D0DBECB-482D-481D-2860-ED1AAEAF1F1D}"/>
+              </a:ext>
+            </a:extLst>
+          </p:cNvPr>
+          <p:cNvSpPr>
+            <a:spLocks noGrp="1"/>
+          </p:cNvSpPr>
+          <p:nvPr>
+            <p:ph idx="1"/>
+          </p:nvPr>
+        </p:nvSpPr>
+        <p:spPr/>
+        <p:txBody>
+          <a:bodyPr/>
+          <a:lstStyle/>
+          <a:p>
+            <a:pPr algn="r" rtl="1"/>
+            <a:r>
+              <a:rPr lang="ar-SA" dirty="0"/>
+              <a:t>تعميم النموذج : </a:t>
+            </a:r>
+            <a:r>
+              <a:rPr lang="en-US" dirty="0"/>
+              <a:t>Model Generalization</a:t>
+            </a:r>
+          </a:p>
+          <a:p>
+            <a:pPr algn="r" rtl="1"/>
+            <a:r>
+              <a:rPr lang="ar-SA" dirty="0"/>
+              <a:t>تذكر الاجابات دون معرفة طريقة الوصول للحل في حال رؤية مدخلات جديدة : </a:t>
+            </a:r>
+            <a:r>
+              <a:rPr lang="en-US" dirty="0"/>
+              <a:t>Overfitting</a:t>
+            </a:r>
+          </a:p>
+          <a:p>
+            <a:pPr algn="r" rtl="1"/>
+            <a:r>
+              <a:rPr lang="ar-SA" dirty="0"/>
+              <a:t>بيانات التدريب : </a:t>
+            </a:r>
+            <a:r>
+              <a:rPr lang="en-US" dirty="0"/>
+              <a:t>  Training Set – Train split</a:t>
+            </a:r>
+          </a:p>
+          <a:p>
+            <a:pPr algn="r" rtl="1"/>
+            <a:r>
+              <a:rPr lang="ar-SA" dirty="0"/>
+              <a:t>بيانات الإختبار : </a:t>
+            </a:r>
+            <a:r>
+              <a:rPr lang="en-US" dirty="0"/>
+              <a:t>Testing Set – Test Split</a:t>
+            </a:r>
+          </a:p>
+          <a:p>
+            <a:pPr algn="r" rtl="1"/>
+            <a:endParaRPr lang="en-US" dirty="0"/>
+          </a:p>
+        </p:txBody>
+      </p:sp>
+    </p:spTree>
+    <p:extLst>
+      <p:ext uri="{BB962C8B-B14F-4D97-AF65-F5344CB8AC3E}">
+        <p14:creationId xmlns:p14="http://schemas.microsoft.com/office/powerpoint/2010/main" val="3578238213"/>
+      </p:ext>
+    </p:extLst>
+  </p:cSld>
+  <p:clrMapOvr>
+    <a:masterClrMapping/>
+  </p:clrMapOvr>
+</p:sld>
+</file>
+
+<file path=ppt/slides/slide12.xml><?xml version="1.0" encoding="utf-8"?>
+<p:sld xmlns:a="http://schemas.openxmlformats.org/drawingml/2006/main" xmlns:r="http://schemas.openxmlformats.org/officeDocument/2006/relationships" xmlns:p="http://schemas.openxmlformats.org/presentationml/2006/main">
+  <p:cSld>
+    <p:spTree>
+      <p:nvGrpSpPr>
+        <p:cNvPr id="1" name=""/>
+        <p:cNvGrpSpPr/>
+        <p:nvPr/>
+      </p:nvGrpSpPr>
+      <p:grpSpPr>
+        <a:xfrm>
+          <a:off x="0" y="0"/>
+          <a:ext cx="0" cy="0"/>
+          <a:chOff x="0" y="0"/>
+          <a:chExt cx="0" cy="0"/>
+        </a:xfrm>
+      </p:grpSpPr>
+      <p:sp>
+        <p:nvSpPr>
+          <p:cNvPr id="2" name="Title 1">
+            <a:extLst>
+              <a:ext uri="{FF2B5EF4-FFF2-40B4-BE49-F238E27FC236}">
                 <a16:creationId xmlns:a16="http://schemas.microsoft.com/office/drawing/2014/main" id="{97781287-24BB-4494-1158-94527A73308E}"/>
               </a:ext>
             </a:extLst>
@@ -14179,7 +14474,7 @@
 </p:sld>
 </file>
 
-<file path=ppt/slides/slide11.xml><?xml version="1.0" encoding="utf-8"?>
+<file path=ppt/slides/slide13.xml><?xml version="1.0" encoding="utf-8"?>
 <p:sld xmlns:a="http://schemas.openxmlformats.org/drawingml/2006/main" xmlns:r="http://schemas.openxmlformats.org/officeDocument/2006/relationships" xmlns:p="http://schemas.openxmlformats.org/presentationml/2006/main">
   <p:cSld>
     <p:spTree>
@@ -14259,7 +14554,7 @@
 </p:sld>
 </file>
 
-<file path=ppt/slides/slide12.xml><?xml version="1.0" encoding="utf-8"?>
+<file path=ppt/slides/slide14.xml><?xml version="1.0" encoding="utf-8"?>
 <p:sld xmlns:a="http://schemas.openxmlformats.org/drawingml/2006/main" xmlns:r="http://schemas.openxmlformats.org/officeDocument/2006/relationships" xmlns:p="http://schemas.openxmlformats.org/presentationml/2006/main">
   <p:cSld>
     <p:spTree>
@@ -14806,7 +15101,7 @@
           <a:bodyPr/>
           <a:lstStyle/>
           <a:p>
-            <a:endParaRPr lang="en-US"/>
+            <a:endParaRPr lang="en-US" dirty="0"/>
           </a:p>
         </p:txBody>
       </p:sp>
@@ -14901,7 +15196,7 @@
           <a:bodyPr/>
           <a:lstStyle/>
           <a:p>
-            <a:endParaRPr lang="en-US"/>
+            <a:endParaRPr lang="en-US" dirty="0"/>
           </a:p>
         </p:txBody>
       </p:sp>
@@ -14978,7 +15273,7 @@
           <p:cNvPr id="2" name="Title 1">
             <a:extLst>
               <a:ext uri="{FF2B5EF4-FFF2-40B4-BE49-F238E27FC236}">
-                <a16:creationId xmlns:a16="http://schemas.microsoft.com/office/drawing/2014/main" id="{4BBE16D0-B364-F604-E7A6-55193E41361E}"/>
+                <a16:creationId xmlns:a16="http://schemas.microsoft.com/office/drawing/2014/main" id="{66E593B5-D269-FC3D-EBEB-ED9E7186B3FD}"/>
               </a:ext>
             </a:extLst>
           </p:cNvPr>
@@ -14996,7 +15291,7 @@
           <a:p>
             <a:r>
               <a:rPr lang="en-US" dirty="0"/>
-              <a:t>HOW</a:t>
+              <a:t>K-fold</a:t>
             </a:r>
           </a:p>
         </p:txBody>
@@ -15006,7 +15301,7 @@
           <p:cNvPr id="3" name="Content Placeholder 2">
             <a:extLst>
               <a:ext uri="{FF2B5EF4-FFF2-40B4-BE49-F238E27FC236}">
-                <a16:creationId xmlns:a16="http://schemas.microsoft.com/office/drawing/2014/main" id="{7222272A-1D9A-BB7D-6D66-B55A13025274}"/>
+                <a16:creationId xmlns:a16="http://schemas.microsoft.com/office/drawing/2014/main" id="{33739F6D-5537-A6FE-B2CA-24DAFD84B399}"/>
               </a:ext>
             </a:extLst>
           </p:cNvPr>
@@ -15022,14 +15317,25 @@
           <a:bodyPr/>
           <a:lstStyle/>
           <a:p>
-            <a:endParaRPr lang="en-US"/>
+            <a:r>
+              <a:rPr lang="en-US" dirty="0" err="1"/>
+              <a:t>Spliting</a:t>
+            </a:r>
+            <a:r>
+              <a:rPr lang="en-US" dirty="0"/>
+              <a:t> data into </a:t>
+            </a:r>
+            <a:r>
+              <a:rPr lang="en-US"/>
+              <a:t>equal subsets and </a:t>
+            </a:r>
           </a:p>
         </p:txBody>
       </p:sp>
     </p:spTree>
     <p:extLst>
       <p:ext uri="{BB962C8B-B14F-4D97-AF65-F5344CB8AC3E}">
-        <p14:creationId xmlns:p14="http://schemas.microsoft.com/office/powerpoint/2010/main" val="29462818"/>
+        <p14:creationId xmlns:p14="http://schemas.microsoft.com/office/powerpoint/2010/main" val="1879510270"/>
       </p:ext>
     </p:extLst>
   </p:cSld>
@@ -15061,7 +15367,7 @@
           <p:cNvPr id="2" name="Title 1">
             <a:extLst>
               <a:ext uri="{FF2B5EF4-FFF2-40B4-BE49-F238E27FC236}">
-                <a16:creationId xmlns:a16="http://schemas.microsoft.com/office/drawing/2014/main" id="{E3A486E8-F116-4091-B060-683834C2B83D}"/>
+                <a16:creationId xmlns:a16="http://schemas.microsoft.com/office/drawing/2014/main" id="{FB400D5F-DA85-2D90-A31C-8422832D0C1B}"/>
               </a:ext>
             </a:extLst>
           </p:cNvPr>
@@ -15077,10 +15383,7 @@
           <a:bodyPr/>
           <a:lstStyle/>
           <a:p>
-            <a:r>
-              <a:rPr lang="en-US" dirty="0"/>
-              <a:t>ADVANCE</a:t>
-            </a:r>
+            <a:endParaRPr lang="en-US" dirty="0"/>
           </a:p>
         </p:txBody>
       </p:sp>
@@ -15089,7 +15392,7 @@
           <p:cNvPr id="3" name="Content Placeholder 2">
             <a:extLst>
               <a:ext uri="{FF2B5EF4-FFF2-40B4-BE49-F238E27FC236}">
-                <a16:creationId xmlns:a16="http://schemas.microsoft.com/office/drawing/2014/main" id="{D689399A-1A0D-E22D-D831-FFD44F9E9979}"/>
+                <a16:creationId xmlns:a16="http://schemas.microsoft.com/office/drawing/2014/main" id="{0E1E99F7-236E-58DA-D191-2AD839944B54}"/>
               </a:ext>
             </a:extLst>
           </p:cNvPr>
@@ -15105,21 +15408,14 @@
           <a:bodyPr/>
           <a:lstStyle/>
           <a:p>
-            <a:r>
-              <a:rPr lang="en-US"/>
-              <a:t>DATALOADER </a:t>
-            </a:r>
-            <a:r>
-              <a:rPr lang="en-US" dirty="0"/>
-              <a:t>(PYTORCH)</a:t>
-            </a:r>
+            <a:endParaRPr lang="en-US"/>
           </a:p>
         </p:txBody>
       </p:sp>
     </p:spTree>
     <p:extLst>
       <p:ext uri="{BB962C8B-B14F-4D97-AF65-F5344CB8AC3E}">
-        <p14:creationId xmlns:p14="http://schemas.microsoft.com/office/powerpoint/2010/main" val="588673254"/>
+        <p14:creationId xmlns:p14="http://schemas.microsoft.com/office/powerpoint/2010/main" val="3516159608"/>
       </p:ext>
     </p:extLst>
   </p:cSld>
@@ -15151,7 +15447,7 @@
           <p:cNvPr id="2" name="Title 1">
             <a:extLst>
               <a:ext uri="{FF2B5EF4-FFF2-40B4-BE49-F238E27FC236}">
-                <a16:creationId xmlns:a16="http://schemas.microsoft.com/office/drawing/2014/main" id="{88F9672B-5B2C-DE3D-5B1B-0B023A86D364}"/>
+                <a16:creationId xmlns:a16="http://schemas.microsoft.com/office/drawing/2014/main" id="{4BBE16D0-B364-F604-E7A6-55193E41361E}"/>
               </a:ext>
             </a:extLst>
           </p:cNvPr>
@@ -15167,38 +15463,9 @@
           <a:bodyPr/>
           <a:lstStyle/>
           <a:p>
-            <a:pPr algn="ctr" rtl="1"/>
-            <a:r>
-              <a:rPr lang="ar-SA" b="1" dirty="0">
-                <a:solidFill>
-                  <a:schemeClr val="accent1"/>
-                </a:solidFill>
-                <a:latin typeface="Cocon® Next Arabic" panose="020A0503020102020204" pitchFamily="18" charset="-78"/>
-                <a:ea typeface="Cocon® Next Arabic" panose="020A0503020102020204" pitchFamily="18" charset="-78"/>
-                <a:cs typeface="Cocon® Next Arabic" panose="020A0503020102020204" pitchFamily="18" charset="-78"/>
-              </a:rPr>
-              <a:t>تقسيم البيانات لتدريب واختبار</a:t>
-            </a:r>
-            <a:br>
-              <a:rPr lang="en-US" b="1" dirty="0">
-                <a:solidFill>
-                  <a:schemeClr val="accent1"/>
-                </a:solidFill>
-                <a:latin typeface="Cocon® Next Arabic" panose="020A0503020102020204" pitchFamily="18" charset="-78"/>
-                <a:ea typeface="Cocon® Next Arabic" panose="020A0503020102020204" pitchFamily="18" charset="-78"/>
-                <a:cs typeface="Cocon® Next Arabic" panose="020A0503020102020204" pitchFamily="18" charset="-78"/>
-              </a:rPr>
-            </a:br>
-            <a:r>
-              <a:rPr lang="en-US" b="1" dirty="0">
-                <a:solidFill>
-                  <a:schemeClr val="accent1"/>
-                </a:solidFill>
-                <a:latin typeface="Cocon® Next Arabic" panose="020A0503020102020204" pitchFamily="18" charset="-78"/>
-                <a:ea typeface="Cocon® Next Arabic" panose="020A0503020102020204" pitchFamily="18" charset="-78"/>
-                <a:cs typeface="Cocon® Next Arabic" panose="020A0503020102020204" pitchFamily="18" charset="-78"/>
-              </a:rPr>
-              <a:t>Train and Test Split </a:t>
+            <a:r>
+              <a:rPr lang="en-US" dirty="0"/>
+              <a:t>HOW</a:t>
             </a:r>
           </a:p>
         </p:txBody>
@@ -15208,7 +15475,7 @@
           <p:cNvPr id="3" name="Content Placeholder 2">
             <a:extLst>
               <a:ext uri="{FF2B5EF4-FFF2-40B4-BE49-F238E27FC236}">
-                <a16:creationId xmlns:a16="http://schemas.microsoft.com/office/drawing/2014/main" id="{7D5F44E0-4AE9-DF97-C4B3-1B96BF33C86A}"/>
+                <a16:creationId xmlns:a16="http://schemas.microsoft.com/office/drawing/2014/main" id="{7222272A-1D9A-BB7D-6D66-B55A13025274}"/>
               </a:ext>
             </a:extLst>
           </p:cNvPr>
@@ -15221,40 +15488,17 @@
         </p:nvSpPr>
         <p:spPr/>
         <p:txBody>
-          <a:bodyPr>
-            <a:normAutofit/>
-          </a:bodyPr>
+          <a:bodyPr/>
           <a:lstStyle/>
           <a:p>
-            <a:pPr marL="0" indent="0" algn="r" rtl="1">
-              <a:buNone/>
-            </a:pPr>
-            <a:r>
-              <a:rPr lang="ar-SA" dirty="0"/>
-              <a:t>نقسم البيانات لجزئين. بيانات للتدريب النموذج، وبيانات لاختبار أداء النموذج حتى نتأكد بأنه تعلم بشكل صحيح من البيانات التي تدرب عليها ولم يحفظ الاجابات فقط. ولضمان أن النموذج يمكن تعميمة على عينات لم يرها من قبل.</a:t>
-            </a:r>
-          </a:p>
-          <a:p>
-            <a:pPr marL="0" indent="0" algn="r" rtl="1">
-              <a:buNone/>
-            </a:pPr>
-            <a:endParaRPr lang="ar-SA" dirty="0"/>
-          </a:p>
-          <a:p>
-            <a:pPr marL="0" indent="0" algn="r" rtl="1">
-              <a:buNone/>
-            </a:pPr>
-            <a:r>
-              <a:rPr lang="ar-SA" dirty="0"/>
-              <a:t>مثال على ذلك : عندما يعطى الطالب امثلة للمراجعة قبل الاختبار لكنها ليست اسئلة الإختبار بالتحديد. فتساعدة للاختبار ولأي سألة اخرى في نفس الوضوع في المستقبل.</a:t>
-            </a:r>
+            <a:endParaRPr lang="en-US"/>
           </a:p>
         </p:txBody>
       </p:sp>
     </p:spTree>
     <p:extLst>
       <p:ext uri="{BB962C8B-B14F-4D97-AF65-F5344CB8AC3E}">
-        <p14:creationId xmlns:p14="http://schemas.microsoft.com/office/powerpoint/2010/main" val="329941891"/>
+        <p14:creationId xmlns:p14="http://schemas.microsoft.com/office/powerpoint/2010/main" val="29462818"/>
       </p:ext>
     </p:extLst>
   </p:cSld>
@@ -15286,7 +15530,7 @@
           <p:cNvPr id="2" name="Title 1">
             <a:extLst>
               <a:ext uri="{FF2B5EF4-FFF2-40B4-BE49-F238E27FC236}">
-                <a16:creationId xmlns:a16="http://schemas.microsoft.com/office/drawing/2014/main" id="{B2528842-17C7-ABA9-6052-3AA7DAA6AAFC}"/>
+                <a16:creationId xmlns:a16="http://schemas.microsoft.com/office/drawing/2014/main" id="{E3A486E8-F116-4091-B060-683834C2B83D}"/>
               </a:ext>
             </a:extLst>
           </p:cNvPr>
@@ -15304,7 +15548,7 @@
           <a:p>
             <a:r>
               <a:rPr lang="en-US" dirty="0"/>
-              <a:t>WORDS TO REMEMBER</a:t>
+              <a:t>ADVANCE</a:t>
             </a:r>
           </a:p>
         </p:txBody>
@@ -15314,7 +15558,7 @@
           <p:cNvPr id="3" name="Content Placeholder 2">
             <a:extLst>
               <a:ext uri="{FF2B5EF4-FFF2-40B4-BE49-F238E27FC236}">
-                <a16:creationId xmlns:a16="http://schemas.microsoft.com/office/drawing/2014/main" id="{6D0DBECB-482D-481D-2860-ED1AAEAF1F1D}"/>
+                <a16:creationId xmlns:a16="http://schemas.microsoft.com/office/drawing/2014/main" id="{D689399A-1A0D-E22D-D831-FFD44F9E9979}"/>
               </a:ext>
             </a:extLst>
           </p:cNvPr>
@@ -15330,59 +15574,21 @@
           <a:bodyPr/>
           <a:lstStyle/>
           <a:p>
-            <a:pPr algn="r" rtl="1"/>
-            <a:r>
-              <a:rPr lang="ar-SA" dirty="0"/>
-              <a:t>تعميم النموذج : </a:t>
-            </a:r>
-            <a:r>
-              <a:rPr lang="en-US" dirty="0"/>
-              <a:t>Model Generalization</a:t>
-            </a:r>
-          </a:p>
-          <a:p>
-            <a:pPr algn="r" rtl="1"/>
-            <a:r>
-              <a:rPr lang="ar-SA" dirty="0"/>
-              <a:t>تذكر الاجابات دون معرفة طريقة الوصول للحل في حال رؤية مدخلات جديدة : </a:t>
-            </a:r>
-            <a:r>
-              <a:rPr lang="en-US" dirty="0"/>
-              <a:t>Overfitting</a:t>
-            </a:r>
-          </a:p>
-          <a:p>
-            <a:pPr algn="r" rtl="1"/>
-            <a:r>
-              <a:rPr lang="ar-SA" dirty="0"/>
-              <a:t>بيانات التدريب : </a:t>
-            </a:r>
-            <a:r>
-              <a:rPr lang="en-US" dirty="0"/>
-              <a:t>  Training Set – Train split</a:t>
-            </a:r>
-          </a:p>
-          <a:p>
-            <a:pPr algn="r" rtl="1"/>
-            <a:r>
-              <a:rPr lang="ar-SA" dirty="0"/>
-              <a:t>بيانات الإختبار : </a:t>
-            </a:r>
-            <a:r>
-              <a:rPr lang="en-US" dirty="0"/>
-              <a:t>Testing Set – Test Split</a:t>
-            </a:r>
-          </a:p>
-          <a:p>
-            <a:pPr algn="r" rtl="1"/>
-            <a:endParaRPr lang="en-US" dirty="0"/>
+            <a:r>
+              <a:rPr lang="en-US"/>
+              <a:t>DATALOADER </a:t>
+            </a:r>
+            <a:r>
+              <a:rPr lang="en-US" dirty="0"/>
+              <a:t>(PYTORCH)</a:t>
+            </a:r>
           </a:p>
         </p:txBody>
       </p:sp>
     </p:spTree>
     <p:extLst>
       <p:ext uri="{BB962C8B-B14F-4D97-AF65-F5344CB8AC3E}">
-        <p14:creationId xmlns:p14="http://schemas.microsoft.com/office/powerpoint/2010/main" val="3578238213"/>
+        <p14:creationId xmlns:p14="http://schemas.microsoft.com/office/powerpoint/2010/main" val="588673254"/>
       </p:ext>
     </p:extLst>
   </p:cSld>
